--- a/cleanCode.pptx
+++ b/cleanCode.pptx
@@ -16,24 +16,31 @@
   <p:notesSz cx="6858000" cy="9144000"/>
   <p:embeddedFontLst>
     <p:embeddedFont>
+      <p:font typeface="Calibri" panose="020F0502020204030204" pitchFamily="34" charset="0"/>
+      <p:regular r:id="rId8"/>
+      <p:bold r:id="rId9"/>
+      <p:italic r:id="rId10"/>
+      <p:boldItalic r:id="rId11"/>
+    </p:embeddedFont>
+    <p:embeddedFont>
       <p:font typeface="Cooper Hewitt" panose="020B0604020202020204" charset="0"/>
-      <p:regular r:id="rId8"/>
+      <p:regular r:id="rId12"/>
     </p:embeddedFont>
     <p:embeddedFont>
       <p:font typeface="Cooper Hewitt Bold" panose="020B0604020202020204" charset="0"/>
-      <p:regular r:id="rId9"/>
+      <p:regular r:id="rId13"/>
     </p:embeddedFont>
     <p:embeddedFont>
-      <p:font typeface="DM Sans" pitchFamily="2" charset="0"/>
-      <p:regular r:id="rId10"/>
+      <p:font typeface="DM Sans" panose="020B0604020202020204" charset="0"/>
+      <p:regular r:id="rId14"/>
     </p:embeddedFont>
     <p:embeddedFont>
       <p:font typeface="DM Sans Bold" panose="020B0604020202020204" charset="0"/>
-      <p:regular r:id="rId11"/>
+      <p:regular r:id="rId15"/>
     </p:embeddedFont>
     <p:embeddedFont>
       <p:font typeface="Open Sans Bold" panose="020B0604020202020204" charset="0"/>
-      <p:regular r:id="rId12"/>
+      <p:regular r:id="rId16"/>
     </p:embeddedFont>
   </p:embeddedFontLst>
   <p:defaultTextStyle>
@@ -397,7 +404,7 @@
             <a:fld id="{1D8BD707-D9CF-40AE-B4C6-C98DA3205C09}" type="datetimeFigureOut">
               <a:rPr lang="en-US" smtClean="0"/>
               <a:pPr/>
-              <a:t>11/26/2025</a:t>
+              <a:t>12/5/2025</a:t>
             </a:fld>
             <a:endParaRPr lang="en-US"/>
           </a:p>
@@ -562,7 +569,7 @@
             <a:fld id="{1D8BD707-D9CF-40AE-B4C6-C98DA3205C09}" type="datetimeFigureOut">
               <a:rPr lang="en-US" smtClean="0"/>
               <a:pPr/>
-              <a:t>11/26/2025</a:t>
+              <a:t>12/5/2025</a:t>
             </a:fld>
             <a:endParaRPr lang="en-US"/>
           </a:p>
@@ -737,7 +744,7 @@
             <a:fld id="{1D8BD707-D9CF-40AE-B4C6-C98DA3205C09}" type="datetimeFigureOut">
               <a:rPr lang="en-US" smtClean="0"/>
               <a:pPr/>
-              <a:t>11/26/2025</a:t>
+              <a:t>12/5/2025</a:t>
             </a:fld>
             <a:endParaRPr lang="en-US"/>
           </a:p>
@@ -902,7 +909,7 @@
             <a:fld id="{1D8BD707-D9CF-40AE-B4C6-C98DA3205C09}" type="datetimeFigureOut">
               <a:rPr lang="en-US" smtClean="0"/>
               <a:pPr/>
-              <a:t>11/26/2025</a:t>
+              <a:t>12/5/2025</a:t>
             </a:fld>
             <a:endParaRPr lang="en-US"/>
           </a:p>
@@ -1144,7 +1151,7 @@
             <a:fld id="{1D8BD707-D9CF-40AE-B4C6-C98DA3205C09}" type="datetimeFigureOut">
               <a:rPr lang="en-US" smtClean="0"/>
               <a:pPr/>
-              <a:t>11/26/2025</a:t>
+              <a:t>12/5/2025</a:t>
             </a:fld>
             <a:endParaRPr lang="en-US"/>
           </a:p>
@@ -1426,7 +1433,7 @@
             <a:fld id="{1D8BD707-D9CF-40AE-B4C6-C98DA3205C09}" type="datetimeFigureOut">
               <a:rPr lang="en-US" smtClean="0"/>
               <a:pPr/>
-              <a:t>11/26/2025</a:t>
+              <a:t>12/5/2025</a:t>
             </a:fld>
             <a:endParaRPr lang="en-US"/>
           </a:p>
@@ -1842,7 +1849,7 @@
             <a:fld id="{1D8BD707-D9CF-40AE-B4C6-C98DA3205C09}" type="datetimeFigureOut">
               <a:rPr lang="en-US" smtClean="0"/>
               <a:pPr/>
-              <a:t>11/26/2025</a:t>
+              <a:t>12/5/2025</a:t>
             </a:fld>
             <a:endParaRPr lang="en-US"/>
           </a:p>
@@ -1956,7 +1963,7 @@
             <a:fld id="{1D8BD707-D9CF-40AE-B4C6-C98DA3205C09}" type="datetimeFigureOut">
               <a:rPr lang="en-US" smtClean="0"/>
               <a:pPr/>
-              <a:t>11/26/2025</a:t>
+              <a:t>12/5/2025</a:t>
             </a:fld>
             <a:endParaRPr lang="en-US"/>
           </a:p>
@@ -2048,7 +2055,7 @@
             <a:fld id="{1D8BD707-D9CF-40AE-B4C6-C98DA3205C09}" type="datetimeFigureOut">
               <a:rPr lang="en-US" smtClean="0"/>
               <a:pPr/>
-              <a:t>11/26/2025</a:t>
+              <a:t>12/5/2025</a:t>
             </a:fld>
             <a:endParaRPr lang="en-US"/>
           </a:p>
@@ -2320,7 +2327,7 @@
             <a:fld id="{1D8BD707-D9CF-40AE-B4C6-C98DA3205C09}" type="datetimeFigureOut">
               <a:rPr lang="en-US" smtClean="0"/>
               <a:pPr/>
-              <a:t>11/26/2025</a:t>
+              <a:t>12/5/2025</a:t>
             </a:fld>
             <a:endParaRPr lang="en-US"/>
           </a:p>
@@ -2569,7 +2576,7 @@
             <a:fld id="{1D8BD707-D9CF-40AE-B4C6-C98DA3205C09}" type="datetimeFigureOut">
               <a:rPr lang="en-US" smtClean="0"/>
               <a:pPr/>
-              <a:t>11/26/2025</a:t>
+              <a:t>12/5/2025</a:t>
             </a:fld>
             <a:endParaRPr lang="en-US"/>
           </a:p>
@@ -2777,7 +2784,7 @@
             <a:fld id="{1D8BD707-D9CF-40AE-B4C6-C98DA3205C09}" type="datetimeFigureOut">
               <a:rPr lang="en-US" smtClean="0"/>
               <a:pPr/>
-              <a:t>11/26/2025</a:t>
+              <a:t>12/5/2025</a:t>
             </a:fld>
             <a:endParaRPr lang="en-US"/>
           </a:p>
@@ -3212,7 +3219,7 @@
           <a:bodyPr/>
           <a:lstStyle/>
           <a:p>
-            <a:endParaRPr lang="pt-BR"/>
+            <a:endParaRPr lang="pt-BR" u="sng" dirty="0"/>
           </a:p>
         </p:txBody>
       </p:sp>
@@ -3420,7 +3427,7 @@
               </a:lnSpc>
             </a:pPr>
             <a:r>
-              <a:rPr lang="en-US" sz="11313" b="1">
+              <a:rPr lang="en-US" sz="11313" b="1" dirty="0">
                 <a:solidFill>
                   <a:srgbClr val="343434"/>
                 </a:solidFill>
@@ -3443,7 +3450,7 @@
         <p:spPr>
           <a:xfrm>
             <a:off x="829082" y="5400718"/>
-            <a:ext cx="8626948" cy="2248803"/>
+            <a:ext cx="8626948" cy="4956998"/>
           </a:xfrm>
           <a:prstGeom prst="rect">
             <a:avLst/>
@@ -3461,7 +3468,7 @@
               </a:lnSpc>
             </a:pPr>
             <a:r>
-              <a:rPr lang="en-US" sz="5964">
+              <a:rPr lang="en-US" sz="5964" dirty="0">
                 <a:solidFill>
                   <a:srgbClr val="343434"/>
                 </a:solidFill>
@@ -3472,6 +3479,106 @@
               </a:rPr>
               <a:t>BOAS PRÁTICAS DO CLEAN CODE</a:t>
             </a:r>
+          </a:p>
+          <a:p>
+            <a:pPr marL="539746" lvl="1" indent="-269873">
+              <a:lnSpc>
+                <a:spcPts val="4999"/>
+              </a:lnSpc>
+              <a:buFont typeface="Arial"/>
+              <a:buChar char="•"/>
+            </a:pPr>
+            <a:r>
+              <a:rPr lang="en-US" sz="2000" dirty="0">
+                <a:solidFill>
+                  <a:srgbClr val="343434"/>
+                </a:solidFill>
+                <a:latin typeface="Cooper Hewitt"/>
+                <a:ea typeface="Cooper Hewitt"/>
+                <a:cs typeface="Cooper Hewitt"/>
+                <a:sym typeface="Cooper Hewitt"/>
+              </a:rPr>
+              <a:t> </a:t>
+            </a:r>
+            <a:r>
+              <a:rPr lang="en-US" sz="2499" dirty="0">
+                <a:solidFill>
+                  <a:srgbClr val="343434"/>
+                </a:solidFill>
+                <a:latin typeface="DM Sans"/>
+                <a:ea typeface="DM Sans"/>
+                <a:cs typeface="DM Sans"/>
+                <a:sym typeface="DM Sans"/>
+              </a:rPr>
+              <a:t>Matheus Alves Santana – 824144952</a:t>
+            </a:r>
+          </a:p>
+          <a:p>
+            <a:pPr marL="539746" lvl="1" indent="-269873">
+              <a:lnSpc>
+                <a:spcPts val="4999"/>
+              </a:lnSpc>
+              <a:buFont typeface="Arial"/>
+              <a:buChar char="•"/>
+            </a:pPr>
+            <a:r>
+              <a:rPr lang="en-US" sz="2499" dirty="0">
+                <a:solidFill>
+                  <a:srgbClr val="343434"/>
+                </a:solidFill>
+                <a:latin typeface="DM Sans"/>
+                <a:ea typeface="DM Sans"/>
+                <a:cs typeface="DM Sans"/>
+                <a:sym typeface="DM Sans"/>
+              </a:rPr>
+              <a:t>Maria Eduarda Medeiro Porto – 824144948</a:t>
+            </a:r>
+          </a:p>
+          <a:p>
+            <a:pPr marL="539746" lvl="1" indent="-269873">
+              <a:lnSpc>
+                <a:spcPts val="4999"/>
+              </a:lnSpc>
+              <a:buFont typeface="Arial"/>
+              <a:buChar char="•"/>
+            </a:pPr>
+            <a:r>
+              <a:rPr lang="pt-BR" sz="2499" dirty="0">
+                <a:solidFill>
+                  <a:srgbClr val="343434"/>
+                </a:solidFill>
+                <a:latin typeface="DM Sans"/>
+                <a:ea typeface="DM Sans"/>
+                <a:cs typeface="DM Sans"/>
+                <a:sym typeface="DM Sans"/>
+              </a:rPr>
+              <a:t>Matheus Henrique da Costa e Silva - 82410661</a:t>
+            </a:r>
+            <a:endParaRPr lang="en-US" sz="2499" dirty="0">
+              <a:solidFill>
+                <a:srgbClr val="343434"/>
+              </a:solidFill>
+              <a:latin typeface="DM Sans"/>
+              <a:ea typeface="DM Sans"/>
+              <a:cs typeface="DM Sans"/>
+              <a:sym typeface="DM Sans"/>
+            </a:endParaRPr>
+          </a:p>
+          <a:p>
+            <a:pPr algn="l">
+              <a:lnSpc>
+                <a:spcPts val="8350"/>
+              </a:lnSpc>
+            </a:pPr>
+            <a:endParaRPr lang="en-US" sz="2000" dirty="0">
+              <a:solidFill>
+                <a:srgbClr val="343434"/>
+              </a:solidFill>
+              <a:latin typeface="Cooper Hewitt"/>
+              <a:ea typeface="Cooper Hewitt"/>
+              <a:cs typeface="Cooper Hewitt"/>
+              <a:sym typeface="Cooper Hewitt"/>
+            </a:endParaRPr>
           </a:p>
         </p:txBody>
       </p:sp>
